--- a/Apresentação_dados/Apresentação IC.pptx
+++ b/Apresentação_dados/Apresentação IC.pptx
@@ -5136,7 +5136,7 @@
         </p:nvSpPr>
         <p:spPr>
           <a:xfrm>
-            <a:off x="5979381" y="2683046"/>
+            <a:off x="6096000" y="3166158"/>
             <a:ext cx="6438172" cy="525684"/>
           </a:xfrm>
           <a:prstGeom prst="rect">
@@ -5308,6 +5308,40 @@
               <a:t>Total de casos fora do litoral: 13619</a:t>
             </a:r>
           </a:p>
+          <a:p>
+            <a:r>
+              <a:rPr lang="pt-BR" sz="1600" dirty="0">
+                <a:solidFill>
+                  <a:schemeClr val="tx1"/>
+                </a:solidFill>
+                <a:latin typeface="Calibri" panose="020F0502020204030204" pitchFamily="34" charset="0"/>
+                <a:ea typeface="Calibri" panose="020F0502020204030204" pitchFamily="34" charset="0"/>
+                <a:cs typeface="Calibri" panose="020F0502020204030204" pitchFamily="34" charset="0"/>
+              </a:rPr>
+              <a:t>Total de habitantes em cidades litorâneas: 5451225</a:t>
+            </a:r>
+            <a:br>
+              <a:rPr lang="pt-BR" sz="1600" dirty="0">
+                <a:solidFill>
+                  <a:schemeClr val="tx1"/>
+                </a:solidFill>
+                <a:latin typeface="Calibri" panose="020F0502020204030204" pitchFamily="34" charset="0"/>
+                <a:ea typeface="Calibri" panose="020F0502020204030204" pitchFamily="34" charset="0"/>
+                <a:cs typeface="Calibri" panose="020F0502020204030204" pitchFamily="34" charset="0"/>
+              </a:rPr>
+            </a:br>
+            <a:r>
+              <a:rPr lang="pt-BR" sz="1600" dirty="0">
+                <a:solidFill>
+                  <a:schemeClr val="tx1"/>
+                </a:solidFill>
+                <a:latin typeface="Calibri" panose="020F0502020204030204" pitchFamily="34" charset="0"/>
+                <a:ea typeface="Calibri" panose="020F0502020204030204" pitchFamily="34" charset="0"/>
+                <a:cs typeface="Calibri" panose="020F0502020204030204" pitchFamily="34" charset="0"/>
+              </a:rPr>
+              <a:t>Total de habitantes em cidades não litorâneas: 9893222</a:t>
+            </a:r>
+          </a:p>
         </p:txBody>
       </p:sp>
       <p:sp>
@@ -5326,7 +5360,7 @@
         </p:nvSpPr>
         <p:spPr>
           <a:xfrm>
-            <a:off x="5979381" y="4173787"/>
+            <a:off x="6096000" y="4614326"/>
             <a:ext cx="6438172" cy="525684"/>
           </a:xfrm>
           <a:prstGeom prst="rect">

--- a/Apresentação_dados/Apresentação IC.pptx
+++ b/Apresentação_dados/Apresentação IC.pptx
@@ -5360,7 +5360,7 @@
         </p:nvSpPr>
         <p:spPr>
           <a:xfrm>
-            <a:off x="6096000" y="4614326"/>
+            <a:off x="6096000" y="5043534"/>
             <a:ext cx="6438172" cy="525684"/>
           </a:xfrm>
           <a:prstGeom prst="rect">
@@ -5560,6 +5560,16 @@
               </a:rPr>
               <a:t>Total de casos com categoria de turismo 5: 13982</a:t>
             </a:r>
+          </a:p>
+          <a:p>
+            <a:endParaRPr lang="pt-BR" sz="1600" dirty="0">
+              <a:solidFill>
+                <a:schemeClr val="tx1"/>
+              </a:solidFill>
+              <a:latin typeface="Calibri" panose="020F0502020204030204" pitchFamily="34" charset="0"/>
+              <a:ea typeface="Calibri" panose="020F0502020204030204" pitchFamily="34" charset="0"/>
+              <a:cs typeface="Calibri" panose="020F0502020204030204" pitchFamily="34" charset="0"/>
+            </a:endParaRPr>
           </a:p>
         </p:txBody>
       </p:sp>
@@ -5593,6 +5603,141 @@
           </a:prstGeom>
         </p:spPr>
       </p:pic>
+      <p:sp>
+        <p:nvSpPr>
+          <p:cNvPr id="3" name="Título 1">
+            <a:extLst>
+              <a:ext uri="{FF2B5EF4-FFF2-40B4-BE49-F238E27FC236}">
+                <a16:creationId xmlns:a16="http://schemas.microsoft.com/office/drawing/2014/main" id="{4A36E750-01C6-FFAC-F505-612EDC29C4F3}"/>
+              </a:ext>
+            </a:extLst>
+          </p:cNvPr>
+          <p:cNvSpPr txBox="1">
+            <a:spLocks/>
+          </p:cNvSpPr>
+          <p:nvPr/>
+        </p:nvSpPr>
+        <p:spPr>
+          <a:xfrm>
+            <a:off x="6096000" y="5865500"/>
+            <a:ext cx="6438172" cy="525684"/>
+          </a:xfrm>
+          <a:prstGeom prst="rect">
+            <a:avLst/>
+          </a:prstGeom>
+        </p:spPr>
+        <p:txBody>
+          <a:bodyPr vert="horz" lIns="91440" tIns="45720" rIns="91440" bIns="45720" rtlCol="0" anchor="b">
+            <a:noAutofit/>
+          </a:bodyPr>
+          <a:lstStyle>
+            <a:lvl1pPr algn="l" defTabSz="457200" rtl="0" eaLnBrk="1" latinLnBrk="0" hangingPunct="1">
+              <a:spcBef>
+                <a:spcPct val="0"/>
+              </a:spcBef>
+              <a:buNone/>
+              <a:defRPr sz="2800" b="0" kern="1200" cap="all">
+                <a:solidFill>
+                  <a:schemeClr val="bg1"/>
+                </a:solidFill>
+                <a:latin typeface="+mj-lt"/>
+                <a:ea typeface="+mj-ea"/>
+                <a:cs typeface="+mj-cs"/>
+              </a:defRPr>
+            </a:lvl1pPr>
+            <a:lvl2pPr eaLnBrk="1" hangingPunct="1">
+              <a:defRPr>
+                <a:solidFill>
+                  <a:schemeClr val="tx2"/>
+                </a:solidFill>
+              </a:defRPr>
+            </a:lvl2pPr>
+            <a:lvl3pPr eaLnBrk="1" hangingPunct="1">
+              <a:defRPr>
+                <a:solidFill>
+                  <a:schemeClr val="tx2"/>
+                </a:solidFill>
+              </a:defRPr>
+            </a:lvl3pPr>
+            <a:lvl4pPr eaLnBrk="1" hangingPunct="1">
+              <a:defRPr>
+                <a:solidFill>
+                  <a:schemeClr val="tx2"/>
+                </a:solidFill>
+              </a:defRPr>
+            </a:lvl4pPr>
+            <a:lvl5pPr eaLnBrk="1" hangingPunct="1">
+              <a:defRPr>
+                <a:solidFill>
+                  <a:schemeClr val="tx2"/>
+                </a:solidFill>
+              </a:defRPr>
+            </a:lvl5pPr>
+            <a:lvl6pPr eaLnBrk="1" hangingPunct="1">
+              <a:defRPr>
+                <a:solidFill>
+                  <a:schemeClr val="tx2"/>
+                </a:solidFill>
+              </a:defRPr>
+            </a:lvl6pPr>
+            <a:lvl7pPr eaLnBrk="1" hangingPunct="1">
+              <a:defRPr>
+                <a:solidFill>
+                  <a:schemeClr val="tx2"/>
+                </a:solidFill>
+              </a:defRPr>
+            </a:lvl7pPr>
+            <a:lvl8pPr eaLnBrk="1" hangingPunct="1">
+              <a:defRPr>
+                <a:solidFill>
+                  <a:schemeClr val="tx2"/>
+                </a:solidFill>
+              </a:defRPr>
+            </a:lvl8pPr>
+            <a:lvl9pPr eaLnBrk="1" hangingPunct="1">
+              <a:defRPr>
+                <a:solidFill>
+                  <a:schemeClr val="tx2"/>
+                </a:solidFill>
+              </a:defRPr>
+            </a:lvl9pPr>
+          </a:lstStyle>
+          <a:p>
+            <a:r>
+              <a:rPr lang="pt-BR" sz="1600" dirty="0">
+                <a:solidFill>
+                  <a:schemeClr val="tx1"/>
+                </a:solidFill>
+                <a:latin typeface="Calibri" panose="020F0502020204030204" pitchFamily="34" charset="0"/>
+                <a:ea typeface="Calibri" panose="020F0502020204030204" pitchFamily="34" charset="0"/>
+                <a:cs typeface="Calibri" panose="020F0502020204030204" pitchFamily="34" charset="0"/>
+              </a:rPr>
+              <a:t>Incidência de casos em cidades litorâneas: 3.4003 a cada mil habitantes</a:t>
+            </a:r>
+            <a:br>
+              <a:rPr lang="pt-BR" sz="1600" dirty="0">
+                <a:solidFill>
+                  <a:schemeClr val="tx1"/>
+                </a:solidFill>
+                <a:latin typeface="Calibri" panose="020F0502020204030204" pitchFamily="34" charset="0"/>
+                <a:ea typeface="Calibri" panose="020F0502020204030204" pitchFamily="34" charset="0"/>
+                <a:cs typeface="Calibri" panose="020F0502020204030204" pitchFamily="34" charset="0"/>
+              </a:rPr>
+            </a:br>
+            <a:r>
+              <a:rPr lang="pt-BR" sz="1600" dirty="0">
+                <a:solidFill>
+                  <a:schemeClr val="tx1"/>
+                </a:solidFill>
+                <a:latin typeface="Calibri" panose="020F0502020204030204" pitchFamily="34" charset="0"/>
+                <a:ea typeface="Calibri" panose="020F0502020204030204" pitchFamily="34" charset="0"/>
+                <a:cs typeface="Calibri" panose="020F0502020204030204" pitchFamily="34" charset="0"/>
+              </a:rPr>
+              <a:t>Incidência de casos em cidades não litorâneas: 1.3766 a cada mil habitantes</a:t>
+            </a:r>
+          </a:p>
+        </p:txBody>
+      </p:sp>
     </p:spTree>
     <p:extLst>
       <p:ext uri="{BB962C8B-B14F-4D97-AF65-F5344CB8AC3E}">
